--- a/ppt 16-9/1495.忘记背后努力.pptx
+++ b/ppt 16-9/1495.忘记背后努力.pptx
@@ -5,7 +5,7 @@
     <p:sldMasterId id="2147483648" r:id="rId1"/>
   </p:sldMasterIdLst>
   <p:sldIdLst>
-    <p:sldId id="1070" r:id="rId2"/>
+    <p:sldId id="1071" r:id="rId2"/>
   </p:sldIdLst>
   <p:sldSz cx="12192000" cy="6858000"/>
   <p:notesSz cx="6858000" cy="9144000"/>
@@ -129,7 +129,7 @@
           <p:cNvPr id="2" name="标题 1">
             <a:extLst>
               <a:ext uri="{FF2B5EF4-FFF2-40B4-BE49-F238E27FC236}">
-                <a16:creationId xmlns:a16="http://schemas.microsoft.com/office/drawing/2014/main" id="{B51F1D75-2247-BD66-058D-233BAD2CE68C}"/>
+                <a16:creationId xmlns:a16="http://schemas.microsoft.com/office/drawing/2014/main" id="{8B68C991-5005-979A-3D43-36F98A4B29B8}"/>
               </a:ext>
             </a:extLst>
           </p:cNvPr>
@@ -166,7 +166,7 @@
           <p:cNvPr id="3" name="副标题 2">
             <a:extLst>
               <a:ext uri="{FF2B5EF4-FFF2-40B4-BE49-F238E27FC236}">
-                <a16:creationId xmlns:a16="http://schemas.microsoft.com/office/drawing/2014/main" id="{87D024DF-54F7-1F46-80EA-B4DF5FFE6564}"/>
+                <a16:creationId xmlns:a16="http://schemas.microsoft.com/office/drawing/2014/main" id="{842FA5B5-94D4-1C07-3FC6-69F40BDFA497}"/>
               </a:ext>
             </a:extLst>
           </p:cNvPr>
@@ -236,7 +236,7 @@
           <p:cNvPr id="4" name="日期占位符 3">
             <a:extLst>
               <a:ext uri="{FF2B5EF4-FFF2-40B4-BE49-F238E27FC236}">
-                <a16:creationId xmlns:a16="http://schemas.microsoft.com/office/drawing/2014/main" id="{0FC5E69A-18BC-F059-4F8D-A1BF5B045D61}"/>
+                <a16:creationId xmlns:a16="http://schemas.microsoft.com/office/drawing/2014/main" id="{8FA4A148-5010-73C5-012B-00C70D5C6B56}"/>
               </a:ext>
             </a:extLst>
           </p:cNvPr>
@@ -252,7 +252,7 @@
           <a:bodyPr/>
           <a:lstStyle/>
           <a:p>
-            <a:fld id="{00324B5B-FEAF-48F1-8430-2BF5ABA3788F}" type="datetimeFigureOut">
+            <a:fld id="{3C5FF0B7-81E4-4E19-ABC5-B51559F39907}" type="datetimeFigureOut">
               <a:rPr lang="zh-CN" altLang="en-US" smtClean="0"/>
               <a:t>2024/3/10</a:t>
             </a:fld>
@@ -265,7 +265,7 @@
           <p:cNvPr id="5" name="页脚占位符 4">
             <a:extLst>
               <a:ext uri="{FF2B5EF4-FFF2-40B4-BE49-F238E27FC236}">
-                <a16:creationId xmlns:a16="http://schemas.microsoft.com/office/drawing/2014/main" id="{7D45BC10-E5DF-A185-2C6B-B2D1B496B79C}"/>
+                <a16:creationId xmlns:a16="http://schemas.microsoft.com/office/drawing/2014/main" id="{B1D2B23A-7CE4-502F-5B81-AADB0680970B}"/>
               </a:ext>
             </a:extLst>
           </p:cNvPr>
@@ -290,7 +290,7 @@
           <p:cNvPr id="6" name="灯片编号占位符 5">
             <a:extLst>
               <a:ext uri="{FF2B5EF4-FFF2-40B4-BE49-F238E27FC236}">
-                <a16:creationId xmlns:a16="http://schemas.microsoft.com/office/drawing/2014/main" id="{641D1B63-353F-050C-6FA5-13B12FF11ADC}"/>
+                <a16:creationId xmlns:a16="http://schemas.microsoft.com/office/drawing/2014/main" id="{076CECD2-DEEF-2E25-B071-9A60F81599D4}"/>
               </a:ext>
             </a:extLst>
           </p:cNvPr>
@@ -306,7 +306,7 @@
           <a:bodyPr/>
           <a:lstStyle/>
           <a:p>
-            <a:fld id="{9895F1BF-780A-4CD6-9CAA-1D021DDFEF0C}" type="slidenum">
+            <a:fld id="{C3483D7E-5537-4547-854E-7D41EDBF6A75}" type="slidenum">
               <a:rPr lang="zh-CN" altLang="en-US" smtClean="0"/>
               <a:t>‹#›</a:t>
             </a:fld>
@@ -317,7 +317,7 @@
     </p:spTree>
     <p:extLst>
       <p:ext uri="{BB962C8B-B14F-4D97-AF65-F5344CB8AC3E}">
-        <p14:creationId xmlns:p14="http://schemas.microsoft.com/office/powerpoint/2010/main" val="2170782413"/>
+        <p14:creationId xmlns:p14="http://schemas.microsoft.com/office/powerpoint/2010/main" val="296792790"/>
       </p:ext>
     </p:extLst>
   </p:cSld>
@@ -349,7 +349,7 @@
           <p:cNvPr id="2" name="标题 1">
             <a:extLst>
               <a:ext uri="{FF2B5EF4-FFF2-40B4-BE49-F238E27FC236}">
-                <a16:creationId xmlns:a16="http://schemas.microsoft.com/office/drawing/2014/main" id="{B25C8326-C9DC-B0CF-F43E-D3FD68E63425}"/>
+                <a16:creationId xmlns:a16="http://schemas.microsoft.com/office/drawing/2014/main" id="{C4228C41-4E4D-3BDE-9CC9-F7B2822DEFBB}"/>
               </a:ext>
             </a:extLst>
           </p:cNvPr>
@@ -377,7 +377,7 @@
           <p:cNvPr id="3" name="竖排文字占位符 2">
             <a:extLst>
               <a:ext uri="{FF2B5EF4-FFF2-40B4-BE49-F238E27FC236}">
-                <a16:creationId xmlns:a16="http://schemas.microsoft.com/office/drawing/2014/main" id="{1A1AD61A-10C2-63F7-3CE8-6B624E608B1E}"/>
+                <a16:creationId xmlns:a16="http://schemas.microsoft.com/office/drawing/2014/main" id="{CD348255-A87F-3BAD-92CD-9EFBE013673D}"/>
               </a:ext>
             </a:extLst>
           </p:cNvPr>
@@ -434,7 +434,7 @@
           <p:cNvPr id="4" name="日期占位符 3">
             <a:extLst>
               <a:ext uri="{FF2B5EF4-FFF2-40B4-BE49-F238E27FC236}">
-                <a16:creationId xmlns:a16="http://schemas.microsoft.com/office/drawing/2014/main" id="{23E79F4E-48EB-25D2-5851-FB454C85C77F}"/>
+                <a16:creationId xmlns:a16="http://schemas.microsoft.com/office/drawing/2014/main" id="{B96B9485-7A6B-919D-47A7-E629C191709E}"/>
               </a:ext>
             </a:extLst>
           </p:cNvPr>
@@ -450,7 +450,7 @@
           <a:bodyPr/>
           <a:lstStyle/>
           <a:p>
-            <a:fld id="{00324B5B-FEAF-48F1-8430-2BF5ABA3788F}" type="datetimeFigureOut">
+            <a:fld id="{3C5FF0B7-81E4-4E19-ABC5-B51559F39907}" type="datetimeFigureOut">
               <a:rPr lang="zh-CN" altLang="en-US" smtClean="0"/>
               <a:t>2024/3/10</a:t>
             </a:fld>
@@ -463,7 +463,7 @@
           <p:cNvPr id="5" name="页脚占位符 4">
             <a:extLst>
               <a:ext uri="{FF2B5EF4-FFF2-40B4-BE49-F238E27FC236}">
-                <a16:creationId xmlns:a16="http://schemas.microsoft.com/office/drawing/2014/main" id="{8C91B5F9-54CA-7BD5-90E0-540B9EAE99BA}"/>
+                <a16:creationId xmlns:a16="http://schemas.microsoft.com/office/drawing/2014/main" id="{0FC368E4-1021-D88E-BD4C-519A24D02140}"/>
               </a:ext>
             </a:extLst>
           </p:cNvPr>
@@ -488,7 +488,7 @@
           <p:cNvPr id="6" name="灯片编号占位符 5">
             <a:extLst>
               <a:ext uri="{FF2B5EF4-FFF2-40B4-BE49-F238E27FC236}">
-                <a16:creationId xmlns:a16="http://schemas.microsoft.com/office/drawing/2014/main" id="{265FE315-FA59-18AB-D3C6-179E0B23F0B1}"/>
+                <a16:creationId xmlns:a16="http://schemas.microsoft.com/office/drawing/2014/main" id="{D1FB037C-2B3C-18C4-47B2-9A0AD2BDAC31}"/>
               </a:ext>
             </a:extLst>
           </p:cNvPr>
@@ -504,7 +504,7 @@
           <a:bodyPr/>
           <a:lstStyle/>
           <a:p>
-            <a:fld id="{9895F1BF-780A-4CD6-9CAA-1D021DDFEF0C}" type="slidenum">
+            <a:fld id="{C3483D7E-5537-4547-854E-7D41EDBF6A75}" type="slidenum">
               <a:rPr lang="zh-CN" altLang="en-US" smtClean="0"/>
               <a:t>‹#›</a:t>
             </a:fld>
@@ -515,7 +515,7 @@
     </p:spTree>
     <p:extLst>
       <p:ext uri="{BB962C8B-B14F-4D97-AF65-F5344CB8AC3E}">
-        <p14:creationId xmlns:p14="http://schemas.microsoft.com/office/powerpoint/2010/main" val="3958216680"/>
+        <p14:creationId xmlns:p14="http://schemas.microsoft.com/office/powerpoint/2010/main" val="4176649245"/>
       </p:ext>
     </p:extLst>
   </p:cSld>
@@ -547,7 +547,7 @@
           <p:cNvPr id="2" name="竖排标题 1">
             <a:extLst>
               <a:ext uri="{FF2B5EF4-FFF2-40B4-BE49-F238E27FC236}">
-                <a16:creationId xmlns:a16="http://schemas.microsoft.com/office/drawing/2014/main" id="{A387FC27-228A-4FAB-36C4-9699C30E2F59}"/>
+                <a16:creationId xmlns:a16="http://schemas.microsoft.com/office/drawing/2014/main" id="{2D96343D-E4DF-8170-EAB1-BCF126D6D0A1}"/>
               </a:ext>
             </a:extLst>
           </p:cNvPr>
@@ -580,7 +580,7 @@
           <p:cNvPr id="3" name="竖排文字占位符 2">
             <a:extLst>
               <a:ext uri="{FF2B5EF4-FFF2-40B4-BE49-F238E27FC236}">
-                <a16:creationId xmlns:a16="http://schemas.microsoft.com/office/drawing/2014/main" id="{341C9C59-FE01-B62C-25E5-300FD9BFC8AA}"/>
+                <a16:creationId xmlns:a16="http://schemas.microsoft.com/office/drawing/2014/main" id="{68D187C2-DEDB-6B87-15AE-678718D20DA8}"/>
               </a:ext>
             </a:extLst>
           </p:cNvPr>
@@ -642,7 +642,7 @@
           <p:cNvPr id="4" name="日期占位符 3">
             <a:extLst>
               <a:ext uri="{FF2B5EF4-FFF2-40B4-BE49-F238E27FC236}">
-                <a16:creationId xmlns:a16="http://schemas.microsoft.com/office/drawing/2014/main" id="{55471F55-46C8-B4F8-4651-325FC89187DC}"/>
+                <a16:creationId xmlns:a16="http://schemas.microsoft.com/office/drawing/2014/main" id="{118A8505-751C-D750-1132-AE09CAB5A74F}"/>
               </a:ext>
             </a:extLst>
           </p:cNvPr>
@@ -658,7 +658,7 @@
           <a:bodyPr/>
           <a:lstStyle/>
           <a:p>
-            <a:fld id="{00324B5B-FEAF-48F1-8430-2BF5ABA3788F}" type="datetimeFigureOut">
+            <a:fld id="{3C5FF0B7-81E4-4E19-ABC5-B51559F39907}" type="datetimeFigureOut">
               <a:rPr lang="zh-CN" altLang="en-US" smtClean="0"/>
               <a:t>2024/3/10</a:t>
             </a:fld>
@@ -671,7 +671,7 @@
           <p:cNvPr id="5" name="页脚占位符 4">
             <a:extLst>
               <a:ext uri="{FF2B5EF4-FFF2-40B4-BE49-F238E27FC236}">
-                <a16:creationId xmlns:a16="http://schemas.microsoft.com/office/drawing/2014/main" id="{960F6935-B387-E665-E719-CA4E9410AD34}"/>
+                <a16:creationId xmlns:a16="http://schemas.microsoft.com/office/drawing/2014/main" id="{176A2890-8E5F-417D-3A4D-CE345E15883F}"/>
               </a:ext>
             </a:extLst>
           </p:cNvPr>
@@ -696,7 +696,7 @@
           <p:cNvPr id="6" name="灯片编号占位符 5">
             <a:extLst>
               <a:ext uri="{FF2B5EF4-FFF2-40B4-BE49-F238E27FC236}">
-                <a16:creationId xmlns:a16="http://schemas.microsoft.com/office/drawing/2014/main" id="{3CC39D9F-065F-A8C9-B361-08EF1103A520}"/>
+                <a16:creationId xmlns:a16="http://schemas.microsoft.com/office/drawing/2014/main" id="{0725BA6D-08CC-F601-173A-1E739BAB7477}"/>
               </a:ext>
             </a:extLst>
           </p:cNvPr>
@@ -712,7 +712,7 @@
           <a:bodyPr/>
           <a:lstStyle/>
           <a:p>
-            <a:fld id="{9895F1BF-780A-4CD6-9CAA-1D021DDFEF0C}" type="slidenum">
+            <a:fld id="{C3483D7E-5537-4547-854E-7D41EDBF6A75}" type="slidenum">
               <a:rPr lang="zh-CN" altLang="en-US" smtClean="0"/>
               <a:t>‹#›</a:t>
             </a:fld>
@@ -723,7 +723,7 @@
     </p:spTree>
     <p:extLst>
       <p:ext uri="{BB962C8B-B14F-4D97-AF65-F5344CB8AC3E}">
-        <p14:creationId xmlns:p14="http://schemas.microsoft.com/office/powerpoint/2010/main" val="42191177"/>
+        <p14:creationId xmlns:p14="http://schemas.microsoft.com/office/powerpoint/2010/main" val="2473005023"/>
       </p:ext>
     </p:extLst>
   </p:cSld>
@@ -755,7 +755,7 @@
           <p:cNvPr id="2" name="标题 1">
             <a:extLst>
               <a:ext uri="{FF2B5EF4-FFF2-40B4-BE49-F238E27FC236}">
-                <a16:creationId xmlns:a16="http://schemas.microsoft.com/office/drawing/2014/main" id="{4DEEBD77-7018-4F6F-226B-D72322FA935F}"/>
+                <a16:creationId xmlns:a16="http://schemas.microsoft.com/office/drawing/2014/main" id="{E3F318E8-99F6-92B0-CE98-22A8771B769C}"/>
               </a:ext>
             </a:extLst>
           </p:cNvPr>
@@ -783,7 +783,7 @@
           <p:cNvPr id="3" name="内容占位符 2">
             <a:extLst>
               <a:ext uri="{FF2B5EF4-FFF2-40B4-BE49-F238E27FC236}">
-                <a16:creationId xmlns:a16="http://schemas.microsoft.com/office/drawing/2014/main" id="{EE4B3703-7C81-DC91-48F7-A9FDD9930E42}"/>
+                <a16:creationId xmlns:a16="http://schemas.microsoft.com/office/drawing/2014/main" id="{2B31B860-B20F-738F-5A5E-45CD3135431D}"/>
               </a:ext>
             </a:extLst>
           </p:cNvPr>
@@ -840,7 +840,7 @@
           <p:cNvPr id="4" name="日期占位符 3">
             <a:extLst>
               <a:ext uri="{FF2B5EF4-FFF2-40B4-BE49-F238E27FC236}">
-                <a16:creationId xmlns:a16="http://schemas.microsoft.com/office/drawing/2014/main" id="{5CAA5F42-57E9-E099-84C8-3374C6138D60}"/>
+                <a16:creationId xmlns:a16="http://schemas.microsoft.com/office/drawing/2014/main" id="{CF495A5B-D8D7-5F30-7C2C-E56450B228D4}"/>
               </a:ext>
             </a:extLst>
           </p:cNvPr>
@@ -856,7 +856,7 @@
           <a:bodyPr/>
           <a:lstStyle/>
           <a:p>
-            <a:fld id="{00324B5B-FEAF-48F1-8430-2BF5ABA3788F}" type="datetimeFigureOut">
+            <a:fld id="{3C5FF0B7-81E4-4E19-ABC5-B51559F39907}" type="datetimeFigureOut">
               <a:rPr lang="zh-CN" altLang="en-US" smtClean="0"/>
               <a:t>2024/3/10</a:t>
             </a:fld>
@@ -869,7 +869,7 @@
           <p:cNvPr id="5" name="页脚占位符 4">
             <a:extLst>
               <a:ext uri="{FF2B5EF4-FFF2-40B4-BE49-F238E27FC236}">
-                <a16:creationId xmlns:a16="http://schemas.microsoft.com/office/drawing/2014/main" id="{37E5E920-627F-3136-F92D-4BB546EA9A25}"/>
+                <a16:creationId xmlns:a16="http://schemas.microsoft.com/office/drawing/2014/main" id="{F82C9BB6-3161-8452-8E3C-374C6BA240CF}"/>
               </a:ext>
             </a:extLst>
           </p:cNvPr>
@@ -894,7 +894,7 @@
           <p:cNvPr id="6" name="灯片编号占位符 5">
             <a:extLst>
               <a:ext uri="{FF2B5EF4-FFF2-40B4-BE49-F238E27FC236}">
-                <a16:creationId xmlns:a16="http://schemas.microsoft.com/office/drawing/2014/main" id="{594D5FD7-AF31-6B7C-525B-C6EBAEDC35E9}"/>
+                <a16:creationId xmlns:a16="http://schemas.microsoft.com/office/drawing/2014/main" id="{7DEDE74E-4F8C-55D3-DD1A-E2DB47E3E19F}"/>
               </a:ext>
             </a:extLst>
           </p:cNvPr>
@@ -910,7 +910,7 @@
           <a:bodyPr/>
           <a:lstStyle/>
           <a:p>
-            <a:fld id="{9895F1BF-780A-4CD6-9CAA-1D021DDFEF0C}" type="slidenum">
+            <a:fld id="{C3483D7E-5537-4547-854E-7D41EDBF6A75}" type="slidenum">
               <a:rPr lang="zh-CN" altLang="en-US" smtClean="0"/>
               <a:t>‹#›</a:t>
             </a:fld>
@@ -921,7 +921,7 @@
     </p:spTree>
     <p:extLst>
       <p:ext uri="{BB962C8B-B14F-4D97-AF65-F5344CB8AC3E}">
-        <p14:creationId xmlns:p14="http://schemas.microsoft.com/office/powerpoint/2010/main" val="1827885515"/>
+        <p14:creationId xmlns:p14="http://schemas.microsoft.com/office/powerpoint/2010/main" val="3775180410"/>
       </p:ext>
     </p:extLst>
   </p:cSld>
@@ -953,7 +953,7 @@
           <p:cNvPr id="2" name="标题 1">
             <a:extLst>
               <a:ext uri="{FF2B5EF4-FFF2-40B4-BE49-F238E27FC236}">
-                <a16:creationId xmlns:a16="http://schemas.microsoft.com/office/drawing/2014/main" id="{7B8749C5-9D78-72C0-2578-992DB4AACADB}"/>
+                <a16:creationId xmlns:a16="http://schemas.microsoft.com/office/drawing/2014/main" id="{5E7B9359-C0F6-D69B-EFFF-8EEFD4AED180}"/>
               </a:ext>
             </a:extLst>
           </p:cNvPr>
@@ -990,7 +990,7 @@
           <p:cNvPr id="3" name="文本占位符 2">
             <a:extLst>
               <a:ext uri="{FF2B5EF4-FFF2-40B4-BE49-F238E27FC236}">
-                <a16:creationId xmlns:a16="http://schemas.microsoft.com/office/drawing/2014/main" id="{DF8469E1-7E86-B4E5-84CA-48CC27DBBD1C}"/>
+                <a16:creationId xmlns:a16="http://schemas.microsoft.com/office/drawing/2014/main" id="{35A7118C-B834-78EA-F4FE-BAC19864B6DA}"/>
               </a:ext>
             </a:extLst>
           </p:cNvPr>
@@ -1115,7 +1115,7 @@
           <p:cNvPr id="4" name="日期占位符 3">
             <a:extLst>
               <a:ext uri="{FF2B5EF4-FFF2-40B4-BE49-F238E27FC236}">
-                <a16:creationId xmlns:a16="http://schemas.microsoft.com/office/drawing/2014/main" id="{BB7CABB0-972A-05A3-F826-7FB3705B65C2}"/>
+                <a16:creationId xmlns:a16="http://schemas.microsoft.com/office/drawing/2014/main" id="{AD388443-9127-EFB9-6D39-D8CBFE6EA622}"/>
               </a:ext>
             </a:extLst>
           </p:cNvPr>
@@ -1131,7 +1131,7 @@
           <a:bodyPr/>
           <a:lstStyle/>
           <a:p>
-            <a:fld id="{00324B5B-FEAF-48F1-8430-2BF5ABA3788F}" type="datetimeFigureOut">
+            <a:fld id="{3C5FF0B7-81E4-4E19-ABC5-B51559F39907}" type="datetimeFigureOut">
               <a:rPr lang="zh-CN" altLang="en-US" smtClean="0"/>
               <a:t>2024/3/10</a:t>
             </a:fld>
@@ -1144,7 +1144,7 @@
           <p:cNvPr id="5" name="页脚占位符 4">
             <a:extLst>
               <a:ext uri="{FF2B5EF4-FFF2-40B4-BE49-F238E27FC236}">
-                <a16:creationId xmlns:a16="http://schemas.microsoft.com/office/drawing/2014/main" id="{E260FFA4-3B26-6FD7-309C-A3A01CC50154}"/>
+                <a16:creationId xmlns:a16="http://schemas.microsoft.com/office/drawing/2014/main" id="{6E4D18C0-AF26-F81D-6C95-69AA8A6942AB}"/>
               </a:ext>
             </a:extLst>
           </p:cNvPr>
@@ -1169,7 +1169,7 @@
           <p:cNvPr id="6" name="灯片编号占位符 5">
             <a:extLst>
               <a:ext uri="{FF2B5EF4-FFF2-40B4-BE49-F238E27FC236}">
-                <a16:creationId xmlns:a16="http://schemas.microsoft.com/office/drawing/2014/main" id="{D777AFCB-1DBA-B8D0-A7D1-62A4AA6ADF66}"/>
+                <a16:creationId xmlns:a16="http://schemas.microsoft.com/office/drawing/2014/main" id="{407E302C-FEBC-B956-15F9-9AFF6C062EEE}"/>
               </a:ext>
             </a:extLst>
           </p:cNvPr>
@@ -1185,7 +1185,7 @@
           <a:bodyPr/>
           <a:lstStyle/>
           <a:p>
-            <a:fld id="{9895F1BF-780A-4CD6-9CAA-1D021DDFEF0C}" type="slidenum">
+            <a:fld id="{C3483D7E-5537-4547-854E-7D41EDBF6A75}" type="slidenum">
               <a:rPr lang="zh-CN" altLang="en-US" smtClean="0"/>
               <a:t>‹#›</a:t>
             </a:fld>
@@ -1196,7 +1196,7 @@
     </p:spTree>
     <p:extLst>
       <p:ext uri="{BB962C8B-B14F-4D97-AF65-F5344CB8AC3E}">
-        <p14:creationId xmlns:p14="http://schemas.microsoft.com/office/powerpoint/2010/main" val="2119626242"/>
+        <p14:creationId xmlns:p14="http://schemas.microsoft.com/office/powerpoint/2010/main" val="701830995"/>
       </p:ext>
     </p:extLst>
   </p:cSld>
@@ -1228,7 +1228,7 @@
           <p:cNvPr id="2" name="标题 1">
             <a:extLst>
               <a:ext uri="{FF2B5EF4-FFF2-40B4-BE49-F238E27FC236}">
-                <a16:creationId xmlns:a16="http://schemas.microsoft.com/office/drawing/2014/main" id="{F25DE7DB-1B9E-D8EB-E783-548C54951DCF}"/>
+                <a16:creationId xmlns:a16="http://schemas.microsoft.com/office/drawing/2014/main" id="{BAE339B9-D00F-0C7C-599D-B82D05945535}"/>
               </a:ext>
             </a:extLst>
           </p:cNvPr>
@@ -1256,7 +1256,7 @@
           <p:cNvPr id="3" name="内容占位符 2">
             <a:extLst>
               <a:ext uri="{FF2B5EF4-FFF2-40B4-BE49-F238E27FC236}">
-                <a16:creationId xmlns:a16="http://schemas.microsoft.com/office/drawing/2014/main" id="{32DA644E-6169-1D6E-4928-5B2E487C8C13}"/>
+                <a16:creationId xmlns:a16="http://schemas.microsoft.com/office/drawing/2014/main" id="{A5C61F15-143D-FEA0-09B5-DF83037E6CF8}"/>
               </a:ext>
             </a:extLst>
           </p:cNvPr>
@@ -1318,7 +1318,7 @@
           <p:cNvPr id="4" name="内容占位符 3">
             <a:extLst>
               <a:ext uri="{FF2B5EF4-FFF2-40B4-BE49-F238E27FC236}">
-                <a16:creationId xmlns:a16="http://schemas.microsoft.com/office/drawing/2014/main" id="{06BAF67D-C93F-B269-CAEA-9B4E027036C2}"/>
+                <a16:creationId xmlns:a16="http://schemas.microsoft.com/office/drawing/2014/main" id="{58E5EDC7-C569-8C62-96FE-ADB5217825C1}"/>
               </a:ext>
             </a:extLst>
           </p:cNvPr>
@@ -1380,7 +1380,7 @@
           <p:cNvPr id="5" name="日期占位符 4">
             <a:extLst>
               <a:ext uri="{FF2B5EF4-FFF2-40B4-BE49-F238E27FC236}">
-                <a16:creationId xmlns:a16="http://schemas.microsoft.com/office/drawing/2014/main" id="{FA783AE5-3F72-7746-B3E8-F6E9FC0C0FBF}"/>
+                <a16:creationId xmlns:a16="http://schemas.microsoft.com/office/drawing/2014/main" id="{91E108C1-6892-D4B2-DF89-2DFC0A728DA8}"/>
               </a:ext>
             </a:extLst>
           </p:cNvPr>
@@ -1396,7 +1396,7 @@
           <a:bodyPr/>
           <a:lstStyle/>
           <a:p>
-            <a:fld id="{00324B5B-FEAF-48F1-8430-2BF5ABA3788F}" type="datetimeFigureOut">
+            <a:fld id="{3C5FF0B7-81E4-4E19-ABC5-B51559F39907}" type="datetimeFigureOut">
               <a:rPr lang="zh-CN" altLang="en-US" smtClean="0"/>
               <a:t>2024/3/10</a:t>
             </a:fld>
@@ -1409,7 +1409,7 @@
           <p:cNvPr id="6" name="页脚占位符 5">
             <a:extLst>
               <a:ext uri="{FF2B5EF4-FFF2-40B4-BE49-F238E27FC236}">
-                <a16:creationId xmlns:a16="http://schemas.microsoft.com/office/drawing/2014/main" id="{3DCE72AE-C3C5-7BDC-A11B-CAF768FEF02B}"/>
+                <a16:creationId xmlns:a16="http://schemas.microsoft.com/office/drawing/2014/main" id="{9C63C0CE-31E2-E39F-76A6-20180C275813}"/>
               </a:ext>
             </a:extLst>
           </p:cNvPr>
@@ -1434,7 +1434,7 @@
           <p:cNvPr id="7" name="灯片编号占位符 6">
             <a:extLst>
               <a:ext uri="{FF2B5EF4-FFF2-40B4-BE49-F238E27FC236}">
-                <a16:creationId xmlns:a16="http://schemas.microsoft.com/office/drawing/2014/main" id="{54279C75-E213-D383-4569-176C145DAD43}"/>
+                <a16:creationId xmlns:a16="http://schemas.microsoft.com/office/drawing/2014/main" id="{69BA04F8-2529-0254-9872-3E7354AC88CC}"/>
               </a:ext>
             </a:extLst>
           </p:cNvPr>
@@ -1450,7 +1450,7 @@
           <a:bodyPr/>
           <a:lstStyle/>
           <a:p>
-            <a:fld id="{9895F1BF-780A-4CD6-9CAA-1D021DDFEF0C}" type="slidenum">
+            <a:fld id="{C3483D7E-5537-4547-854E-7D41EDBF6A75}" type="slidenum">
               <a:rPr lang="zh-CN" altLang="en-US" smtClean="0"/>
               <a:t>‹#›</a:t>
             </a:fld>
@@ -1461,7 +1461,7 @@
     </p:spTree>
     <p:extLst>
       <p:ext uri="{BB962C8B-B14F-4D97-AF65-F5344CB8AC3E}">
-        <p14:creationId xmlns:p14="http://schemas.microsoft.com/office/powerpoint/2010/main" val="550932126"/>
+        <p14:creationId xmlns:p14="http://schemas.microsoft.com/office/powerpoint/2010/main" val="4028670169"/>
       </p:ext>
     </p:extLst>
   </p:cSld>
@@ -1493,7 +1493,7 @@
           <p:cNvPr id="2" name="标题 1">
             <a:extLst>
               <a:ext uri="{FF2B5EF4-FFF2-40B4-BE49-F238E27FC236}">
-                <a16:creationId xmlns:a16="http://schemas.microsoft.com/office/drawing/2014/main" id="{089B5DB5-A323-6E1B-E56C-CC3263307E0D}"/>
+                <a16:creationId xmlns:a16="http://schemas.microsoft.com/office/drawing/2014/main" id="{DE843B2B-6F96-4475-B0E9-AF97158219BE}"/>
               </a:ext>
             </a:extLst>
           </p:cNvPr>
@@ -1526,7 +1526,7 @@
           <p:cNvPr id="3" name="文本占位符 2">
             <a:extLst>
               <a:ext uri="{FF2B5EF4-FFF2-40B4-BE49-F238E27FC236}">
-                <a16:creationId xmlns:a16="http://schemas.microsoft.com/office/drawing/2014/main" id="{33BD1872-A7B1-9638-1F5B-EACBC2E6AF51}"/>
+                <a16:creationId xmlns:a16="http://schemas.microsoft.com/office/drawing/2014/main" id="{717B29A7-88A7-4FB5-8540-933FDAD1540D}"/>
               </a:ext>
             </a:extLst>
           </p:cNvPr>
@@ -1597,7 +1597,7 @@
           <p:cNvPr id="4" name="内容占位符 3">
             <a:extLst>
               <a:ext uri="{FF2B5EF4-FFF2-40B4-BE49-F238E27FC236}">
-                <a16:creationId xmlns:a16="http://schemas.microsoft.com/office/drawing/2014/main" id="{E1C22F5B-0A64-65C3-75F0-792208BC7E77}"/>
+                <a16:creationId xmlns:a16="http://schemas.microsoft.com/office/drawing/2014/main" id="{2DD2215F-8AD8-406A-FD05-E4DCE1E2C980}"/>
               </a:ext>
             </a:extLst>
           </p:cNvPr>
@@ -1659,7 +1659,7 @@
           <p:cNvPr id="5" name="文本占位符 4">
             <a:extLst>
               <a:ext uri="{FF2B5EF4-FFF2-40B4-BE49-F238E27FC236}">
-                <a16:creationId xmlns:a16="http://schemas.microsoft.com/office/drawing/2014/main" id="{BA468535-BA64-0534-6415-BC65C9782FA5}"/>
+                <a16:creationId xmlns:a16="http://schemas.microsoft.com/office/drawing/2014/main" id="{7FA5F604-FE50-F519-2A60-6F6B8AA963EA}"/>
               </a:ext>
             </a:extLst>
           </p:cNvPr>
@@ -1730,7 +1730,7 @@
           <p:cNvPr id="6" name="内容占位符 5">
             <a:extLst>
               <a:ext uri="{FF2B5EF4-FFF2-40B4-BE49-F238E27FC236}">
-                <a16:creationId xmlns:a16="http://schemas.microsoft.com/office/drawing/2014/main" id="{6E16FB49-B0BF-136C-9E7B-0D0436544D65}"/>
+                <a16:creationId xmlns:a16="http://schemas.microsoft.com/office/drawing/2014/main" id="{82DA976A-6EB4-2A44-4FDD-DCF583C54CBB}"/>
               </a:ext>
             </a:extLst>
           </p:cNvPr>
@@ -1792,7 +1792,7 @@
           <p:cNvPr id="7" name="日期占位符 6">
             <a:extLst>
               <a:ext uri="{FF2B5EF4-FFF2-40B4-BE49-F238E27FC236}">
-                <a16:creationId xmlns:a16="http://schemas.microsoft.com/office/drawing/2014/main" id="{6C07389E-1AB6-C62F-89C1-DDCBE28EE2A3}"/>
+                <a16:creationId xmlns:a16="http://schemas.microsoft.com/office/drawing/2014/main" id="{ABE0C1B8-C159-8543-5AB6-79DA737FD696}"/>
               </a:ext>
             </a:extLst>
           </p:cNvPr>
@@ -1808,7 +1808,7 @@
           <a:bodyPr/>
           <a:lstStyle/>
           <a:p>
-            <a:fld id="{00324B5B-FEAF-48F1-8430-2BF5ABA3788F}" type="datetimeFigureOut">
+            <a:fld id="{3C5FF0B7-81E4-4E19-ABC5-B51559F39907}" type="datetimeFigureOut">
               <a:rPr lang="zh-CN" altLang="en-US" smtClean="0"/>
               <a:t>2024/3/10</a:t>
             </a:fld>
@@ -1821,7 +1821,7 @@
           <p:cNvPr id="8" name="页脚占位符 7">
             <a:extLst>
               <a:ext uri="{FF2B5EF4-FFF2-40B4-BE49-F238E27FC236}">
-                <a16:creationId xmlns:a16="http://schemas.microsoft.com/office/drawing/2014/main" id="{9CE3B802-28E3-F46D-ADE6-F4D2A1025EAC}"/>
+                <a16:creationId xmlns:a16="http://schemas.microsoft.com/office/drawing/2014/main" id="{0F8A905B-BB4B-1AD9-C2A0-30C539AC309A}"/>
               </a:ext>
             </a:extLst>
           </p:cNvPr>
@@ -1846,7 +1846,7 @@
           <p:cNvPr id="9" name="灯片编号占位符 8">
             <a:extLst>
               <a:ext uri="{FF2B5EF4-FFF2-40B4-BE49-F238E27FC236}">
-                <a16:creationId xmlns:a16="http://schemas.microsoft.com/office/drawing/2014/main" id="{05C663F1-77D9-DA76-CBB0-88B477ED0421}"/>
+                <a16:creationId xmlns:a16="http://schemas.microsoft.com/office/drawing/2014/main" id="{C74C9317-3E09-BBEC-24BF-5C610A8793D5}"/>
               </a:ext>
             </a:extLst>
           </p:cNvPr>
@@ -1862,7 +1862,7 @@
           <a:bodyPr/>
           <a:lstStyle/>
           <a:p>
-            <a:fld id="{9895F1BF-780A-4CD6-9CAA-1D021DDFEF0C}" type="slidenum">
+            <a:fld id="{C3483D7E-5537-4547-854E-7D41EDBF6A75}" type="slidenum">
               <a:rPr lang="zh-CN" altLang="en-US" smtClean="0"/>
               <a:t>‹#›</a:t>
             </a:fld>
@@ -1873,7 +1873,7 @@
     </p:spTree>
     <p:extLst>
       <p:ext uri="{BB962C8B-B14F-4D97-AF65-F5344CB8AC3E}">
-        <p14:creationId xmlns:p14="http://schemas.microsoft.com/office/powerpoint/2010/main" val="4253008753"/>
+        <p14:creationId xmlns:p14="http://schemas.microsoft.com/office/powerpoint/2010/main" val="3441467145"/>
       </p:ext>
     </p:extLst>
   </p:cSld>
@@ -1905,7 +1905,7 @@
           <p:cNvPr id="2" name="标题 1">
             <a:extLst>
               <a:ext uri="{FF2B5EF4-FFF2-40B4-BE49-F238E27FC236}">
-                <a16:creationId xmlns:a16="http://schemas.microsoft.com/office/drawing/2014/main" id="{C18DB520-E2EE-D059-D45C-8264D7BE1ACE}"/>
+                <a16:creationId xmlns:a16="http://schemas.microsoft.com/office/drawing/2014/main" id="{177A64F8-9C80-E99B-E854-643C11FA5BC3}"/>
               </a:ext>
             </a:extLst>
           </p:cNvPr>
@@ -1933,7 +1933,7 @@
           <p:cNvPr id="3" name="日期占位符 2">
             <a:extLst>
               <a:ext uri="{FF2B5EF4-FFF2-40B4-BE49-F238E27FC236}">
-                <a16:creationId xmlns:a16="http://schemas.microsoft.com/office/drawing/2014/main" id="{E9BAF3EC-ECDA-41D0-A617-B5E32FA3AFCA}"/>
+                <a16:creationId xmlns:a16="http://schemas.microsoft.com/office/drawing/2014/main" id="{99295FE5-A438-CF28-CA32-C8BB9A7D90FA}"/>
               </a:ext>
             </a:extLst>
           </p:cNvPr>
@@ -1949,7 +1949,7 @@
           <a:bodyPr/>
           <a:lstStyle/>
           <a:p>
-            <a:fld id="{00324B5B-FEAF-48F1-8430-2BF5ABA3788F}" type="datetimeFigureOut">
+            <a:fld id="{3C5FF0B7-81E4-4E19-ABC5-B51559F39907}" type="datetimeFigureOut">
               <a:rPr lang="zh-CN" altLang="en-US" smtClean="0"/>
               <a:t>2024/3/10</a:t>
             </a:fld>
@@ -1962,7 +1962,7 @@
           <p:cNvPr id="4" name="页脚占位符 3">
             <a:extLst>
               <a:ext uri="{FF2B5EF4-FFF2-40B4-BE49-F238E27FC236}">
-                <a16:creationId xmlns:a16="http://schemas.microsoft.com/office/drawing/2014/main" id="{96300DF4-D430-48F3-9970-718FF61573E7}"/>
+                <a16:creationId xmlns:a16="http://schemas.microsoft.com/office/drawing/2014/main" id="{116F6BF5-325F-44EE-5BCD-8E2A2A801CB1}"/>
               </a:ext>
             </a:extLst>
           </p:cNvPr>
@@ -1987,7 +1987,7 @@
           <p:cNvPr id="5" name="灯片编号占位符 4">
             <a:extLst>
               <a:ext uri="{FF2B5EF4-FFF2-40B4-BE49-F238E27FC236}">
-                <a16:creationId xmlns:a16="http://schemas.microsoft.com/office/drawing/2014/main" id="{E2EDBFF9-013F-A38E-B3EB-8AB0AB239936}"/>
+                <a16:creationId xmlns:a16="http://schemas.microsoft.com/office/drawing/2014/main" id="{63AD9D14-E3B3-C0CF-786F-7A93B84782CA}"/>
               </a:ext>
             </a:extLst>
           </p:cNvPr>
@@ -2003,7 +2003,7 @@
           <a:bodyPr/>
           <a:lstStyle/>
           <a:p>
-            <a:fld id="{9895F1BF-780A-4CD6-9CAA-1D021DDFEF0C}" type="slidenum">
+            <a:fld id="{C3483D7E-5537-4547-854E-7D41EDBF6A75}" type="slidenum">
               <a:rPr lang="zh-CN" altLang="en-US" smtClean="0"/>
               <a:t>‹#›</a:t>
             </a:fld>
@@ -2014,7 +2014,7 @@
     </p:spTree>
     <p:extLst>
       <p:ext uri="{BB962C8B-B14F-4D97-AF65-F5344CB8AC3E}">
-        <p14:creationId xmlns:p14="http://schemas.microsoft.com/office/powerpoint/2010/main" val="1305440000"/>
+        <p14:creationId xmlns:p14="http://schemas.microsoft.com/office/powerpoint/2010/main" val="1115039238"/>
       </p:ext>
     </p:extLst>
   </p:cSld>
@@ -2046,7 +2046,7 @@
           <p:cNvPr id="2" name="日期占位符 1">
             <a:extLst>
               <a:ext uri="{FF2B5EF4-FFF2-40B4-BE49-F238E27FC236}">
-                <a16:creationId xmlns:a16="http://schemas.microsoft.com/office/drawing/2014/main" id="{BB8E2E07-F171-8A03-6D7F-943501ED0C29}"/>
+                <a16:creationId xmlns:a16="http://schemas.microsoft.com/office/drawing/2014/main" id="{42F1A387-FF41-CF0B-2DAE-99F6BFAAF9CD}"/>
               </a:ext>
             </a:extLst>
           </p:cNvPr>
@@ -2062,7 +2062,7 @@
           <a:bodyPr/>
           <a:lstStyle/>
           <a:p>
-            <a:fld id="{00324B5B-FEAF-48F1-8430-2BF5ABA3788F}" type="datetimeFigureOut">
+            <a:fld id="{3C5FF0B7-81E4-4E19-ABC5-B51559F39907}" type="datetimeFigureOut">
               <a:rPr lang="zh-CN" altLang="en-US" smtClean="0"/>
               <a:t>2024/3/10</a:t>
             </a:fld>
@@ -2075,7 +2075,7 @@
           <p:cNvPr id="3" name="页脚占位符 2">
             <a:extLst>
               <a:ext uri="{FF2B5EF4-FFF2-40B4-BE49-F238E27FC236}">
-                <a16:creationId xmlns:a16="http://schemas.microsoft.com/office/drawing/2014/main" id="{8831A66A-81A0-AFBB-E15B-C73D4B4DFF6F}"/>
+                <a16:creationId xmlns:a16="http://schemas.microsoft.com/office/drawing/2014/main" id="{87F9BD59-8A33-0F4F-56B3-9B7E7F52E03D}"/>
               </a:ext>
             </a:extLst>
           </p:cNvPr>
@@ -2100,7 +2100,7 @@
           <p:cNvPr id="4" name="灯片编号占位符 3">
             <a:extLst>
               <a:ext uri="{FF2B5EF4-FFF2-40B4-BE49-F238E27FC236}">
-                <a16:creationId xmlns:a16="http://schemas.microsoft.com/office/drawing/2014/main" id="{739909E7-B323-C7BA-724A-B1D2216C528D}"/>
+                <a16:creationId xmlns:a16="http://schemas.microsoft.com/office/drawing/2014/main" id="{7DD503E5-6833-42B2-84C1-B73B051D87AD}"/>
               </a:ext>
             </a:extLst>
           </p:cNvPr>
@@ -2116,7 +2116,7 @@
           <a:bodyPr/>
           <a:lstStyle/>
           <a:p>
-            <a:fld id="{9895F1BF-780A-4CD6-9CAA-1D021DDFEF0C}" type="slidenum">
+            <a:fld id="{C3483D7E-5537-4547-854E-7D41EDBF6A75}" type="slidenum">
               <a:rPr lang="zh-CN" altLang="en-US" smtClean="0"/>
               <a:t>‹#›</a:t>
             </a:fld>
@@ -2127,7 +2127,7 @@
     </p:spTree>
     <p:extLst>
       <p:ext uri="{BB962C8B-B14F-4D97-AF65-F5344CB8AC3E}">
-        <p14:creationId xmlns:p14="http://schemas.microsoft.com/office/powerpoint/2010/main" val="303932802"/>
+        <p14:creationId xmlns:p14="http://schemas.microsoft.com/office/powerpoint/2010/main" val="2313131251"/>
       </p:ext>
     </p:extLst>
   </p:cSld>
@@ -2159,7 +2159,7 @@
           <p:cNvPr id="2" name="标题 1">
             <a:extLst>
               <a:ext uri="{FF2B5EF4-FFF2-40B4-BE49-F238E27FC236}">
-                <a16:creationId xmlns:a16="http://schemas.microsoft.com/office/drawing/2014/main" id="{5D8B6B61-665A-EA62-B9B1-25500DC1C4D1}"/>
+                <a16:creationId xmlns:a16="http://schemas.microsoft.com/office/drawing/2014/main" id="{AA89D46F-286E-E03F-1B77-94EAC67DFBBC}"/>
               </a:ext>
             </a:extLst>
           </p:cNvPr>
@@ -2196,7 +2196,7 @@
           <p:cNvPr id="3" name="内容占位符 2">
             <a:extLst>
               <a:ext uri="{FF2B5EF4-FFF2-40B4-BE49-F238E27FC236}">
-                <a16:creationId xmlns:a16="http://schemas.microsoft.com/office/drawing/2014/main" id="{6EEB5744-FFD4-020F-A172-37609F590A85}"/>
+                <a16:creationId xmlns:a16="http://schemas.microsoft.com/office/drawing/2014/main" id="{586F4EBC-39A5-549A-5B40-62A32D039AE7}"/>
               </a:ext>
             </a:extLst>
           </p:cNvPr>
@@ -2286,7 +2286,7 @@
           <p:cNvPr id="4" name="文本占位符 3">
             <a:extLst>
               <a:ext uri="{FF2B5EF4-FFF2-40B4-BE49-F238E27FC236}">
-                <a16:creationId xmlns:a16="http://schemas.microsoft.com/office/drawing/2014/main" id="{BC3BE566-FC2A-B81A-349E-D51D58B123EC}"/>
+                <a16:creationId xmlns:a16="http://schemas.microsoft.com/office/drawing/2014/main" id="{E8A8A18C-8F37-C979-BDD3-BB664169A20C}"/>
               </a:ext>
             </a:extLst>
           </p:cNvPr>
@@ -2357,7 +2357,7 @@
           <p:cNvPr id="5" name="日期占位符 4">
             <a:extLst>
               <a:ext uri="{FF2B5EF4-FFF2-40B4-BE49-F238E27FC236}">
-                <a16:creationId xmlns:a16="http://schemas.microsoft.com/office/drawing/2014/main" id="{BCA23FB6-65CA-AF2E-C505-3A2A49FEB233}"/>
+                <a16:creationId xmlns:a16="http://schemas.microsoft.com/office/drawing/2014/main" id="{19E6F841-7212-1369-0E04-55F17F6E6C42}"/>
               </a:ext>
             </a:extLst>
           </p:cNvPr>
@@ -2373,7 +2373,7 @@
           <a:bodyPr/>
           <a:lstStyle/>
           <a:p>
-            <a:fld id="{00324B5B-FEAF-48F1-8430-2BF5ABA3788F}" type="datetimeFigureOut">
+            <a:fld id="{3C5FF0B7-81E4-4E19-ABC5-B51559F39907}" type="datetimeFigureOut">
               <a:rPr lang="zh-CN" altLang="en-US" smtClean="0"/>
               <a:t>2024/3/10</a:t>
             </a:fld>
@@ -2386,7 +2386,7 @@
           <p:cNvPr id="6" name="页脚占位符 5">
             <a:extLst>
               <a:ext uri="{FF2B5EF4-FFF2-40B4-BE49-F238E27FC236}">
-                <a16:creationId xmlns:a16="http://schemas.microsoft.com/office/drawing/2014/main" id="{8B393AFD-9696-873A-CDD8-D6BFF8BCEBF9}"/>
+                <a16:creationId xmlns:a16="http://schemas.microsoft.com/office/drawing/2014/main" id="{942DCBF1-7B75-003A-3DCF-D137250B8464}"/>
               </a:ext>
             </a:extLst>
           </p:cNvPr>
@@ -2411,7 +2411,7 @@
           <p:cNvPr id="7" name="灯片编号占位符 6">
             <a:extLst>
               <a:ext uri="{FF2B5EF4-FFF2-40B4-BE49-F238E27FC236}">
-                <a16:creationId xmlns:a16="http://schemas.microsoft.com/office/drawing/2014/main" id="{026E56BC-4C1D-5528-3F6C-BEE03DA96CBC}"/>
+                <a16:creationId xmlns:a16="http://schemas.microsoft.com/office/drawing/2014/main" id="{EE019F9B-90AE-7A1D-9092-691DDECF58C9}"/>
               </a:ext>
             </a:extLst>
           </p:cNvPr>
@@ -2427,7 +2427,7 @@
           <a:bodyPr/>
           <a:lstStyle/>
           <a:p>
-            <a:fld id="{9895F1BF-780A-4CD6-9CAA-1D021DDFEF0C}" type="slidenum">
+            <a:fld id="{C3483D7E-5537-4547-854E-7D41EDBF6A75}" type="slidenum">
               <a:rPr lang="zh-CN" altLang="en-US" smtClean="0"/>
               <a:t>‹#›</a:t>
             </a:fld>
@@ -2438,7 +2438,7 @@
     </p:spTree>
     <p:extLst>
       <p:ext uri="{BB962C8B-B14F-4D97-AF65-F5344CB8AC3E}">
-        <p14:creationId xmlns:p14="http://schemas.microsoft.com/office/powerpoint/2010/main" val="1295334663"/>
+        <p14:creationId xmlns:p14="http://schemas.microsoft.com/office/powerpoint/2010/main" val="244821120"/>
       </p:ext>
     </p:extLst>
   </p:cSld>
@@ -2470,7 +2470,7 @@
           <p:cNvPr id="2" name="标题 1">
             <a:extLst>
               <a:ext uri="{FF2B5EF4-FFF2-40B4-BE49-F238E27FC236}">
-                <a16:creationId xmlns:a16="http://schemas.microsoft.com/office/drawing/2014/main" id="{2C7BB405-8DC3-E87B-DD10-2B4DC6E9D473}"/>
+                <a16:creationId xmlns:a16="http://schemas.microsoft.com/office/drawing/2014/main" id="{68DF620F-9561-4FF0-0BCB-25A19C9B3032}"/>
               </a:ext>
             </a:extLst>
           </p:cNvPr>
@@ -2507,7 +2507,7 @@
           <p:cNvPr id="3" name="图片占位符 2">
             <a:extLst>
               <a:ext uri="{FF2B5EF4-FFF2-40B4-BE49-F238E27FC236}">
-                <a16:creationId xmlns:a16="http://schemas.microsoft.com/office/drawing/2014/main" id="{3D4E1DEF-5EAC-9B01-D968-14E537ADA518}"/>
+                <a16:creationId xmlns:a16="http://schemas.microsoft.com/office/drawing/2014/main" id="{FA2B5158-EDA4-DC41-93F2-D78FAC7E1A83}"/>
               </a:ext>
             </a:extLst>
           </p:cNvPr>
@@ -2574,7 +2574,7 @@
           <p:cNvPr id="4" name="文本占位符 3">
             <a:extLst>
               <a:ext uri="{FF2B5EF4-FFF2-40B4-BE49-F238E27FC236}">
-                <a16:creationId xmlns:a16="http://schemas.microsoft.com/office/drawing/2014/main" id="{5BABE648-C530-252D-2144-79DF60257AB3}"/>
+                <a16:creationId xmlns:a16="http://schemas.microsoft.com/office/drawing/2014/main" id="{E261036C-F9AD-10EA-14D0-74D69F928239}"/>
               </a:ext>
             </a:extLst>
           </p:cNvPr>
@@ -2645,7 +2645,7 @@
           <p:cNvPr id="5" name="日期占位符 4">
             <a:extLst>
               <a:ext uri="{FF2B5EF4-FFF2-40B4-BE49-F238E27FC236}">
-                <a16:creationId xmlns:a16="http://schemas.microsoft.com/office/drawing/2014/main" id="{7C2C72B4-5B0D-F8A3-FA00-081CA6F1AB6D}"/>
+                <a16:creationId xmlns:a16="http://schemas.microsoft.com/office/drawing/2014/main" id="{FC3731E2-72F0-44A2-71DA-5A0F551BD281}"/>
               </a:ext>
             </a:extLst>
           </p:cNvPr>
@@ -2661,7 +2661,7 @@
           <a:bodyPr/>
           <a:lstStyle/>
           <a:p>
-            <a:fld id="{00324B5B-FEAF-48F1-8430-2BF5ABA3788F}" type="datetimeFigureOut">
+            <a:fld id="{3C5FF0B7-81E4-4E19-ABC5-B51559F39907}" type="datetimeFigureOut">
               <a:rPr lang="zh-CN" altLang="en-US" smtClean="0"/>
               <a:t>2024/3/10</a:t>
             </a:fld>
@@ -2674,7 +2674,7 @@
           <p:cNvPr id="6" name="页脚占位符 5">
             <a:extLst>
               <a:ext uri="{FF2B5EF4-FFF2-40B4-BE49-F238E27FC236}">
-                <a16:creationId xmlns:a16="http://schemas.microsoft.com/office/drawing/2014/main" id="{55959631-13BF-639C-0CF1-151D55AE60EF}"/>
+                <a16:creationId xmlns:a16="http://schemas.microsoft.com/office/drawing/2014/main" id="{7057F275-9E62-41D9-DC12-43743C541A60}"/>
               </a:ext>
             </a:extLst>
           </p:cNvPr>
@@ -2699,7 +2699,7 @@
           <p:cNvPr id="7" name="灯片编号占位符 6">
             <a:extLst>
               <a:ext uri="{FF2B5EF4-FFF2-40B4-BE49-F238E27FC236}">
-                <a16:creationId xmlns:a16="http://schemas.microsoft.com/office/drawing/2014/main" id="{6B198227-E302-5B9F-5932-FE12A57A5C24}"/>
+                <a16:creationId xmlns:a16="http://schemas.microsoft.com/office/drawing/2014/main" id="{C48451BE-2EE5-4668-532D-7092AE3D4E37}"/>
               </a:ext>
             </a:extLst>
           </p:cNvPr>
@@ -2715,7 +2715,7 @@
           <a:bodyPr/>
           <a:lstStyle/>
           <a:p>
-            <a:fld id="{9895F1BF-780A-4CD6-9CAA-1D021DDFEF0C}" type="slidenum">
+            <a:fld id="{C3483D7E-5537-4547-854E-7D41EDBF6A75}" type="slidenum">
               <a:rPr lang="zh-CN" altLang="en-US" smtClean="0"/>
               <a:t>‹#›</a:t>
             </a:fld>
@@ -2726,7 +2726,7 @@
     </p:spTree>
     <p:extLst>
       <p:ext uri="{BB962C8B-B14F-4D97-AF65-F5344CB8AC3E}">
-        <p14:creationId xmlns:p14="http://schemas.microsoft.com/office/powerpoint/2010/main" val="4145306629"/>
+        <p14:creationId xmlns:p14="http://schemas.microsoft.com/office/powerpoint/2010/main" val="2023199345"/>
       </p:ext>
     </p:extLst>
   </p:cSld>
@@ -2763,7 +2763,7 @@
           <p:cNvPr id="2" name="标题占位符 1">
             <a:extLst>
               <a:ext uri="{FF2B5EF4-FFF2-40B4-BE49-F238E27FC236}">
-                <a16:creationId xmlns:a16="http://schemas.microsoft.com/office/drawing/2014/main" id="{C5A8BE7D-BE9E-A072-DC78-7B3A4928DAFE}"/>
+                <a16:creationId xmlns:a16="http://schemas.microsoft.com/office/drawing/2014/main" id="{2A9E0FE6-DF71-3DF4-BDF1-11C844404DDB}"/>
               </a:ext>
             </a:extLst>
           </p:cNvPr>
@@ -2801,7 +2801,7 @@
           <p:cNvPr id="3" name="文本占位符 2">
             <a:extLst>
               <a:ext uri="{FF2B5EF4-FFF2-40B4-BE49-F238E27FC236}">
-                <a16:creationId xmlns:a16="http://schemas.microsoft.com/office/drawing/2014/main" id="{CD4DC2D2-14E0-6D90-284F-668C26C6D2AA}"/>
+                <a16:creationId xmlns:a16="http://schemas.microsoft.com/office/drawing/2014/main" id="{A4D71693-10FB-8EB2-C693-158AD553DD4F}"/>
               </a:ext>
             </a:extLst>
           </p:cNvPr>
@@ -2868,7 +2868,7 @@
           <p:cNvPr id="4" name="日期占位符 3">
             <a:extLst>
               <a:ext uri="{FF2B5EF4-FFF2-40B4-BE49-F238E27FC236}">
-                <a16:creationId xmlns:a16="http://schemas.microsoft.com/office/drawing/2014/main" id="{1996F9E8-390F-675B-3472-83013E0F7302}"/>
+                <a16:creationId xmlns:a16="http://schemas.microsoft.com/office/drawing/2014/main" id="{B4D1E5E5-97BA-2335-7BF5-43851BE7C22D}"/>
               </a:ext>
             </a:extLst>
           </p:cNvPr>
@@ -2902,7 +2902,7 @@
             </a:lvl1pPr>
           </a:lstStyle>
           <a:p>
-            <a:fld id="{00324B5B-FEAF-48F1-8430-2BF5ABA3788F}" type="datetimeFigureOut">
+            <a:fld id="{3C5FF0B7-81E4-4E19-ABC5-B51559F39907}" type="datetimeFigureOut">
               <a:rPr lang="zh-CN" altLang="en-US" smtClean="0"/>
               <a:t>2024/3/10</a:t>
             </a:fld>
@@ -2915,7 +2915,7 @@
           <p:cNvPr id="5" name="页脚占位符 4">
             <a:extLst>
               <a:ext uri="{FF2B5EF4-FFF2-40B4-BE49-F238E27FC236}">
-                <a16:creationId xmlns:a16="http://schemas.microsoft.com/office/drawing/2014/main" id="{4D2A454B-0861-7C2D-E252-63D45E153E2C}"/>
+                <a16:creationId xmlns:a16="http://schemas.microsoft.com/office/drawing/2014/main" id="{CD476511-FDBF-BE6D-A5CD-6EC3C722F790}"/>
               </a:ext>
             </a:extLst>
           </p:cNvPr>
@@ -2958,7 +2958,7 @@
           <p:cNvPr id="6" name="灯片编号占位符 5">
             <a:extLst>
               <a:ext uri="{FF2B5EF4-FFF2-40B4-BE49-F238E27FC236}">
-                <a16:creationId xmlns:a16="http://schemas.microsoft.com/office/drawing/2014/main" id="{FB46119E-C5E3-3157-A4B9-7CF44F2822F7}"/>
+                <a16:creationId xmlns:a16="http://schemas.microsoft.com/office/drawing/2014/main" id="{F2FB0FED-FB96-C049-3902-A6E8C9870955}"/>
               </a:ext>
             </a:extLst>
           </p:cNvPr>
@@ -2992,7 +2992,7 @@
             </a:lvl1pPr>
           </a:lstStyle>
           <a:p>
-            <a:fld id="{9895F1BF-780A-4CD6-9CAA-1D021DDFEF0C}" type="slidenum">
+            <a:fld id="{C3483D7E-5537-4547-854E-7D41EDBF6A75}" type="slidenum">
               <a:rPr lang="zh-CN" altLang="en-US" smtClean="0"/>
               <a:t>‹#›</a:t>
             </a:fld>
@@ -3003,7 +3003,7 @@
     </p:spTree>
     <p:extLst>
       <p:ext uri="{BB962C8B-B14F-4D97-AF65-F5344CB8AC3E}">
-        <p14:creationId xmlns:p14="http://schemas.microsoft.com/office/powerpoint/2010/main" val="2148134703"/>
+        <p14:creationId xmlns:p14="http://schemas.microsoft.com/office/powerpoint/2010/main" val="1922006039"/>
       </p:ext>
     </p:extLst>
   </p:cSld>
@@ -3323,7 +3323,7 @@
       </p:grpSpPr>
       <p:pic>
         <p:nvPicPr>
-          <p:cNvPr id="1530882" name="Picture 2" descr="1494"/>
+          <p:cNvPr id="1531906" name="Picture 2" descr="1495"/>
           <p:cNvPicPr>
             <a:picLocks noChangeAspect="1" noChangeArrowheads="1"/>
           </p:cNvPicPr>
@@ -3344,8 +3344,8 @@
         </p:blipFill>
         <p:spPr bwMode="auto">
           <a:xfrm>
-            <a:off x="1524000" y="0"/>
-            <a:ext cx="9144000" cy="6858000"/>
+            <a:off x="1524000" y="1"/>
+            <a:ext cx="9144000" cy="5084763"/>
           </a:xfrm>
           <a:prstGeom prst="rect">
             <a:avLst/>
